--- a/Battle of Neigborhood.pptx
+++ b/Battle of Neigborhood.pptx
@@ -3752,10 +3752,10 @@
           <p:nvPr/>
         </p:nvPicPr>
         <p:blipFill>
-          <a:blip r:embed="rId13">
+          <a:blip r:embed="rId13" cstate="email">
             <a:extLst>
               <a:ext uri="{28A0092B-C50C-407E-A947-70E740481C1C}">
-                <a14:useLocalDpi xmlns:a14="http://schemas.microsoft.com/office/drawing/2010/main" val="0"/>
+                <a14:useLocalDpi xmlns:a14="http://schemas.microsoft.com/office/drawing/2010/main"/>
               </a:ext>
             </a:extLst>
           </a:blip>
@@ -3782,10 +3782,10 @@
           <p:nvPr/>
         </p:nvPicPr>
         <p:blipFill>
-          <a:blip r:embed="rId14">
+          <a:blip r:embed="rId14" cstate="email">
             <a:extLst>
               <a:ext uri="{28A0092B-C50C-407E-A947-70E740481C1C}">
-                <a14:useLocalDpi xmlns:a14="http://schemas.microsoft.com/office/drawing/2010/main" val="0"/>
+                <a14:useLocalDpi xmlns:a14="http://schemas.microsoft.com/office/drawing/2010/main"/>
               </a:ext>
             </a:extLst>
           </a:blip>
@@ -4617,7 +4617,13 @@
           </p:nvPr>
         </p:nvPicPr>
         <p:blipFill>
-          <a:blip r:embed="rId2"/>
+          <a:blip r:embed="rId2" cstate="email">
+            <a:extLst>
+              <a:ext uri="{28A0092B-C50C-407E-A947-70E740481C1C}">
+                <a14:useLocalDpi xmlns:a14="http://schemas.microsoft.com/office/drawing/2010/main"/>
+              </a:ext>
+            </a:extLst>
+          </a:blip>
           <a:stretch>
             <a:fillRect/>
           </a:stretch>
@@ -5164,7 +5170,13 @@
           </p:nvPr>
         </p:nvPicPr>
         <p:blipFill>
-          <a:blip r:embed="rId2"/>
+          <a:blip r:embed="rId2" cstate="email">
+            <a:extLst>
+              <a:ext uri="{28A0092B-C50C-407E-A947-70E740481C1C}">
+                <a14:useLocalDpi xmlns:a14="http://schemas.microsoft.com/office/drawing/2010/main"/>
+              </a:ext>
+            </a:extLst>
+          </a:blip>
           <a:stretch>
             <a:fillRect/>
           </a:stretch>
@@ -5248,7 +5260,13 @@
           </p:nvPr>
         </p:nvPicPr>
         <p:blipFill>
-          <a:blip r:embed="rId2"/>
+          <a:blip r:embed="rId2" cstate="email">
+            <a:extLst>
+              <a:ext uri="{28A0092B-C50C-407E-A947-70E740481C1C}">
+                <a14:useLocalDpi xmlns:a14="http://schemas.microsoft.com/office/drawing/2010/main"/>
+              </a:ext>
+            </a:extLst>
+          </a:blip>
           <a:stretch>
             <a:fillRect/>
           </a:stretch>
@@ -5332,7 +5350,13 @@
           </p:nvPr>
         </p:nvPicPr>
         <p:blipFill>
-          <a:blip r:embed="rId2"/>
+          <a:blip r:embed="rId2" cstate="email">
+            <a:extLst>
+              <a:ext uri="{28A0092B-C50C-407E-A947-70E740481C1C}">
+                <a14:useLocalDpi xmlns:a14="http://schemas.microsoft.com/office/drawing/2010/main"/>
+              </a:ext>
+            </a:extLst>
+          </a:blip>
           <a:stretch>
             <a:fillRect/>
           </a:stretch>
